--- a/usubway答辩.pptx
+++ b/usubway答辩.pptx
@@ -7677,7 +7677,7 @@
         <p:spPr>
           <a:xfrm>
             <a:off x="3433517" y="2847589"/>
-            <a:ext cx="2016224" cy="307777"/>
+            <a:ext cx="2016224" cy="306705"/>
           </a:xfrm>
           <a:prstGeom prst="rect">
             <a:avLst/>
@@ -7698,16 +7698,16 @@
               <a:t>答辩人</a:t>
             </a:r>
             <a:r>
-              <a:rPr lang="zh-CN" altLang="en-US" sz="1400" b="1" dirty="0" smtClean="0">
+              <a:rPr lang="en-US" altLang="zh-CN" sz="1400" b="1" dirty="0">
                 <a:cs typeface="+mn-ea"/>
               </a:rPr>
-              <a:t>：</a:t>
+              <a:t>:</a:t>
             </a:r>
             <a:r>
               <a:rPr lang="zh-CN" altLang="en-US" sz="1400" b="1" dirty="0">
                 <a:cs typeface="+mn-ea"/>
               </a:rPr>
-              <a:t>轻习</a:t>
+              <a:t>张泽斌</a:t>
             </a:r>
             <a:endParaRPr lang="zh-CN" altLang="en-US" sz="1400" b="1" dirty="0">
               <a:cs typeface="+mn-ea"/>
